--- a/images/cover/Logo.pptx
+++ b/images/cover/Logo.pptx
@@ -158,7 +158,7 @@
           </a:lstStyle>
           <a:p>
             <a:r>
-              <a:rPr lang="en-US" smtClean="0"/>
+              <a:rPr lang="en-US"/>
               <a:t>Click to edit Master title style</a:t>
             </a:r>
             <a:endParaRPr lang="en-AU"/>
@@ -223,7 +223,7 @@
           </a:lstStyle>
           <a:p>
             <a:r>
-              <a:rPr lang="en-US" smtClean="0"/>
+              <a:rPr lang="en-US"/>
               <a:t>Click to edit Master subtitle style</a:t>
             </a:r>
             <a:endParaRPr lang="en-AU"/>
@@ -341,7 +341,7 @@
           <a:lstStyle/>
           <a:p>
             <a:r>
-              <a:rPr lang="en-US" smtClean="0"/>
+              <a:rPr lang="en-US"/>
               <a:t>Click to edit Master title style</a:t>
             </a:r>
             <a:endParaRPr lang="en-AU"/>
@@ -365,35 +365,35 @@
           <a:p>
             <a:pPr lvl="0"/>
             <a:r>
-              <a:rPr lang="en-US" smtClean="0"/>
+              <a:rPr lang="en-US"/>
               <a:t>Edit Master text styles</a:t>
             </a:r>
           </a:p>
           <a:p>
             <a:pPr lvl="1"/>
             <a:r>
-              <a:rPr lang="en-US" smtClean="0"/>
+              <a:rPr lang="en-US"/>
               <a:t>Second level</a:t>
             </a:r>
           </a:p>
           <a:p>
             <a:pPr lvl="2"/>
             <a:r>
-              <a:rPr lang="en-US" smtClean="0"/>
+              <a:rPr lang="en-US"/>
               <a:t>Third level</a:t>
             </a:r>
           </a:p>
           <a:p>
             <a:pPr lvl="3"/>
             <a:r>
-              <a:rPr lang="en-US" smtClean="0"/>
+              <a:rPr lang="en-US"/>
               <a:t>Fourth level</a:t>
             </a:r>
           </a:p>
           <a:p>
             <a:pPr lvl="4"/>
             <a:r>
-              <a:rPr lang="en-US" smtClean="0"/>
+              <a:rPr lang="en-US"/>
               <a:t>Fifth level</a:t>
             </a:r>
             <a:endParaRPr lang="en-AU"/>
@@ -516,7 +516,7 @@
           <a:lstStyle/>
           <a:p>
             <a:r>
-              <a:rPr lang="en-US" smtClean="0"/>
+              <a:rPr lang="en-US"/>
               <a:t>Click to edit Master title style</a:t>
             </a:r>
             <a:endParaRPr lang="en-AU"/>
@@ -545,35 +545,35 @@
           <a:p>
             <a:pPr lvl="0"/>
             <a:r>
-              <a:rPr lang="en-US" smtClean="0"/>
+              <a:rPr lang="en-US"/>
               <a:t>Edit Master text styles</a:t>
             </a:r>
           </a:p>
           <a:p>
             <a:pPr lvl="1"/>
             <a:r>
-              <a:rPr lang="en-US" smtClean="0"/>
+              <a:rPr lang="en-US"/>
               <a:t>Second level</a:t>
             </a:r>
           </a:p>
           <a:p>
             <a:pPr lvl="2"/>
             <a:r>
-              <a:rPr lang="en-US" smtClean="0"/>
+              <a:rPr lang="en-US"/>
               <a:t>Third level</a:t>
             </a:r>
           </a:p>
           <a:p>
             <a:pPr lvl="3"/>
             <a:r>
-              <a:rPr lang="en-US" smtClean="0"/>
+              <a:rPr lang="en-US"/>
               <a:t>Fourth level</a:t>
             </a:r>
           </a:p>
           <a:p>
             <a:pPr lvl="4"/>
             <a:r>
-              <a:rPr lang="en-US" smtClean="0"/>
+              <a:rPr lang="en-US"/>
               <a:t>Fifth level</a:t>
             </a:r>
             <a:endParaRPr lang="en-AU"/>
@@ -691,7 +691,7 @@
           <a:lstStyle/>
           <a:p>
             <a:r>
-              <a:rPr lang="en-US" smtClean="0"/>
+              <a:rPr lang="en-US"/>
               <a:t>Click to edit Master title style</a:t>
             </a:r>
             <a:endParaRPr lang="en-AU"/>
@@ -715,35 +715,35 @@
           <a:p>
             <a:pPr lvl="0"/>
             <a:r>
-              <a:rPr lang="en-US" smtClean="0"/>
+              <a:rPr lang="en-US"/>
               <a:t>Edit Master text styles</a:t>
             </a:r>
           </a:p>
           <a:p>
             <a:pPr lvl="1"/>
             <a:r>
-              <a:rPr lang="en-US" smtClean="0"/>
+              <a:rPr lang="en-US"/>
               <a:t>Second level</a:t>
             </a:r>
           </a:p>
           <a:p>
             <a:pPr lvl="2"/>
             <a:r>
-              <a:rPr lang="en-US" smtClean="0"/>
+              <a:rPr lang="en-US"/>
               <a:t>Third level</a:t>
             </a:r>
           </a:p>
           <a:p>
             <a:pPr lvl="3"/>
             <a:r>
-              <a:rPr lang="en-US" smtClean="0"/>
+              <a:rPr lang="en-US"/>
               <a:t>Fourth level</a:t>
             </a:r>
           </a:p>
           <a:p>
             <a:pPr lvl="4"/>
             <a:r>
-              <a:rPr lang="en-US" smtClean="0"/>
+              <a:rPr lang="en-US"/>
               <a:t>Fifth level</a:t>
             </a:r>
             <a:endParaRPr lang="en-AU"/>
@@ -870,7 +870,7 @@
           </a:lstStyle>
           <a:p>
             <a:r>
-              <a:rPr lang="en-US" smtClean="0"/>
+              <a:rPr lang="en-US"/>
               <a:t>Click to edit Master title style</a:t>
             </a:r>
             <a:endParaRPr lang="en-AU"/>
@@ -990,7 +990,7 @@
           <a:p>
             <a:pPr lvl="0"/>
             <a:r>
-              <a:rPr lang="en-US" smtClean="0"/>
+              <a:rPr lang="en-US"/>
               <a:t>Edit Master text styles</a:t>
             </a:r>
           </a:p>
@@ -1107,7 +1107,7 @@
           <a:lstStyle/>
           <a:p>
             <a:r>
-              <a:rPr lang="en-US" smtClean="0"/>
+              <a:rPr lang="en-US"/>
               <a:t>Click to edit Master title style</a:t>
             </a:r>
             <a:endParaRPr lang="en-AU"/>
@@ -1136,35 +1136,35 @@
           <a:p>
             <a:pPr lvl="0"/>
             <a:r>
-              <a:rPr lang="en-US" smtClean="0"/>
+              <a:rPr lang="en-US"/>
               <a:t>Edit Master text styles</a:t>
             </a:r>
           </a:p>
           <a:p>
             <a:pPr lvl="1"/>
             <a:r>
-              <a:rPr lang="en-US" smtClean="0"/>
+              <a:rPr lang="en-US"/>
               <a:t>Second level</a:t>
             </a:r>
           </a:p>
           <a:p>
             <a:pPr lvl="2"/>
             <a:r>
-              <a:rPr lang="en-US" smtClean="0"/>
+              <a:rPr lang="en-US"/>
               <a:t>Third level</a:t>
             </a:r>
           </a:p>
           <a:p>
             <a:pPr lvl="3"/>
             <a:r>
-              <a:rPr lang="en-US" smtClean="0"/>
+              <a:rPr lang="en-US"/>
               <a:t>Fourth level</a:t>
             </a:r>
           </a:p>
           <a:p>
             <a:pPr lvl="4"/>
             <a:r>
-              <a:rPr lang="en-US" smtClean="0"/>
+              <a:rPr lang="en-US"/>
               <a:t>Fifth level</a:t>
             </a:r>
             <a:endParaRPr lang="en-AU"/>
@@ -1193,35 +1193,35 @@
           <a:p>
             <a:pPr lvl="0"/>
             <a:r>
-              <a:rPr lang="en-US" smtClean="0"/>
+              <a:rPr lang="en-US"/>
               <a:t>Edit Master text styles</a:t>
             </a:r>
           </a:p>
           <a:p>
             <a:pPr lvl="1"/>
             <a:r>
-              <a:rPr lang="en-US" smtClean="0"/>
+              <a:rPr lang="en-US"/>
               <a:t>Second level</a:t>
             </a:r>
           </a:p>
           <a:p>
             <a:pPr lvl="2"/>
             <a:r>
-              <a:rPr lang="en-US" smtClean="0"/>
+              <a:rPr lang="en-US"/>
               <a:t>Third level</a:t>
             </a:r>
           </a:p>
           <a:p>
             <a:pPr lvl="3"/>
             <a:r>
-              <a:rPr lang="en-US" smtClean="0"/>
+              <a:rPr lang="en-US"/>
               <a:t>Fourth level</a:t>
             </a:r>
           </a:p>
           <a:p>
             <a:pPr lvl="4"/>
             <a:r>
-              <a:rPr lang="en-US" smtClean="0"/>
+              <a:rPr lang="en-US"/>
               <a:t>Fifth level</a:t>
             </a:r>
             <a:endParaRPr lang="en-AU"/>
@@ -1344,7 +1344,7 @@
           <a:lstStyle/>
           <a:p>
             <a:r>
-              <a:rPr lang="en-US" smtClean="0"/>
+              <a:rPr lang="en-US"/>
               <a:t>Click to edit Master title style</a:t>
             </a:r>
             <a:endParaRPr lang="en-AU"/>
@@ -1410,7 +1410,7 @@
           <a:p>
             <a:pPr lvl="0"/>
             <a:r>
-              <a:rPr lang="en-US" smtClean="0"/>
+              <a:rPr lang="en-US"/>
               <a:t>Edit Master text styles</a:t>
             </a:r>
           </a:p>
@@ -1438,35 +1438,35 @@
           <a:p>
             <a:pPr lvl="0"/>
             <a:r>
-              <a:rPr lang="en-US" smtClean="0"/>
+              <a:rPr lang="en-US"/>
               <a:t>Edit Master text styles</a:t>
             </a:r>
           </a:p>
           <a:p>
             <a:pPr lvl="1"/>
             <a:r>
-              <a:rPr lang="en-US" smtClean="0"/>
+              <a:rPr lang="en-US"/>
               <a:t>Second level</a:t>
             </a:r>
           </a:p>
           <a:p>
             <a:pPr lvl="2"/>
             <a:r>
-              <a:rPr lang="en-US" smtClean="0"/>
+              <a:rPr lang="en-US"/>
               <a:t>Third level</a:t>
             </a:r>
           </a:p>
           <a:p>
             <a:pPr lvl="3"/>
             <a:r>
-              <a:rPr lang="en-US" smtClean="0"/>
+              <a:rPr lang="en-US"/>
               <a:t>Fourth level</a:t>
             </a:r>
           </a:p>
           <a:p>
             <a:pPr lvl="4"/>
             <a:r>
-              <a:rPr lang="en-US" smtClean="0"/>
+              <a:rPr lang="en-US"/>
               <a:t>Fifth level</a:t>
             </a:r>
             <a:endParaRPr lang="en-AU"/>
@@ -1532,7 +1532,7 @@
           <a:p>
             <a:pPr lvl="0"/>
             <a:r>
-              <a:rPr lang="en-US" smtClean="0"/>
+              <a:rPr lang="en-US"/>
               <a:t>Edit Master text styles</a:t>
             </a:r>
           </a:p>
@@ -1560,35 +1560,35 @@
           <a:p>
             <a:pPr lvl="0"/>
             <a:r>
-              <a:rPr lang="en-US" smtClean="0"/>
+              <a:rPr lang="en-US"/>
               <a:t>Edit Master text styles</a:t>
             </a:r>
           </a:p>
           <a:p>
             <a:pPr lvl="1"/>
             <a:r>
-              <a:rPr lang="en-US" smtClean="0"/>
+              <a:rPr lang="en-US"/>
               <a:t>Second level</a:t>
             </a:r>
           </a:p>
           <a:p>
             <a:pPr lvl="2"/>
             <a:r>
-              <a:rPr lang="en-US" smtClean="0"/>
+              <a:rPr lang="en-US"/>
               <a:t>Third level</a:t>
             </a:r>
           </a:p>
           <a:p>
             <a:pPr lvl="3"/>
             <a:r>
-              <a:rPr lang="en-US" smtClean="0"/>
+              <a:rPr lang="en-US"/>
               <a:t>Fourth level</a:t>
             </a:r>
           </a:p>
           <a:p>
             <a:pPr lvl="4"/>
             <a:r>
-              <a:rPr lang="en-US" smtClean="0"/>
+              <a:rPr lang="en-US"/>
               <a:t>Fifth level</a:t>
             </a:r>
             <a:endParaRPr lang="en-AU"/>
@@ -1706,7 +1706,7 @@
           <a:lstStyle/>
           <a:p>
             <a:r>
-              <a:rPr lang="en-US" smtClean="0"/>
+              <a:rPr lang="en-US"/>
               <a:t>Click to edit Master title style</a:t>
             </a:r>
             <a:endParaRPr lang="en-AU"/>
@@ -1928,7 +1928,7 @@
           </a:lstStyle>
           <a:p>
             <a:r>
-              <a:rPr lang="en-US" smtClean="0"/>
+              <a:rPr lang="en-US"/>
               <a:t>Click to edit Master title style</a:t>
             </a:r>
             <a:endParaRPr lang="en-AU"/>
@@ -1985,35 +1985,35 @@
           <a:p>
             <a:pPr lvl="0"/>
             <a:r>
-              <a:rPr lang="en-US" smtClean="0"/>
+              <a:rPr lang="en-US"/>
               <a:t>Edit Master text styles</a:t>
             </a:r>
           </a:p>
           <a:p>
             <a:pPr lvl="1"/>
             <a:r>
-              <a:rPr lang="en-US" smtClean="0"/>
+              <a:rPr lang="en-US"/>
               <a:t>Second level</a:t>
             </a:r>
           </a:p>
           <a:p>
             <a:pPr lvl="2"/>
             <a:r>
-              <a:rPr lang="en-US" smtClean="0"/>
+              <a:rPr lang="en-US"/>
               <a:t>Third level</a:t>
             </a:r>
           </a:p>
           <a:p>
             <a:pPr lvl="3"/>
             <a:r>
-              <a:rPr lang="en-US" smtClean="0"/>
+              <a:rPr lang="en-US"/>
               <a:t>Fourth level</a:t>
             </a:r>
           </a:p>
           <a:p>
             <a:pPr lvl="4"/>
             <a:r>
-              <a:rPr lang="en-US" smtClean="0"/>
+              <a:rPr lang="en-US"/>
               <a:t>Fifth level</a:t>
             </a:r>
             <a:endParaRPr lang="en-AU"/>
@@ -2079,7 +2079,7 @@
           <a:p>
             <a:pPr lvl="0"/>
             <a:r>
-              <a:rPr lang="en-US" smtClean="0"/>
+              <a:rPr lang="en-US"/>
               <a:t>Edit Master text styles</a:t>
             </a:r>
           </a:p>
@@ -2205,7 +2205,7 @@
           </a:lstStyle>
           <a:p>
             <a:r>
-              <a:rPr lang="en-US" smtClean="0"/>
+              <a:rPr lang="en-US"/>
               <a:t>Click to edit Master title style</a:t>
             </a:r>
             <a:endParaRPr lang="en-AU"/>
@@ -2332,7 +2332,7 @@
           <a:p>
             <a:pPr lvl="0"/>
             <a:r>
-              <a:rPr lang="en-US" smtClean="0"/>
+              <a:rPr lang="en-US"/>
               <a:t>Edit Master text styles</a:t>
             </a:r>
           </a:p>
@@ -2464,7 +2464,7 @@
           <a:lstStyle/>
           <a:p>
             <a:r>
-              <a:rPr lang="en-US" smtClean="0"/>
+              <a:rPr lang="en-US"/>
               <a:t>Click to edit Master title style</a:t>
             </a:r>
             <a:endParaRPr lang="en-AU"/>
@@ -2498,35 +2498,35 @@
           <a:p>
             <a:pPr lvl="0"/>
             <a:r>
-              <a:rPr lang="en-US" smtClean="0"/>
+              <a:rPr lang="en-US"/>
               <a:t>Edit Master text styles</a:t>
             </a:r>
           </a:p>
           <a:p>
             <a:pPr lvl="1"/>
             <a:r>
-              <a:rPr lang="en-US" smtClean="0"/>
+              <a:rPr lang="en-US"/>
               <a:t>Second level</a:t>
             </a:r>
           </a:p>
           <a:p>
             <a:pPr lvl="2"/>
             <a:r>
-              <a:rPr lang="en-US" smtClean="0"/>
+              <a:rPr lang="en-US"/>
               <a:t>Third level</a:t>
             </a:r>
           </a:p>
           <a:p>
             <a:pPr lvl="3"/>
             <a:r>
-              <a:rPr lang="en-US" smtClean="0"/>
+              <a:rPr lang="en-US"/>
               <a:t>Fourth level</a:t>
             </a:r>
           </a:p>
           <a:p>
             <a:pPr lvl="4"/>
             <a:r>
-              <a:rPr lang="en-US" smtClean="0"/>
+              <a:rPr lang="en-US"/>
               <a:t>Fifth level</a:t>
             </a:r>
             <a:endParaRPr lang="en-AU"/>
@@ -5242,7 +5242,7 @@
                 <a14:imgProps xmlns:a14="http://schemas.microsoft.com/office/drawing/2010/main">
                   <a14:imgLayer r:embed="rId6">
                     <a14:imgEffect>
-                      <a14:artisticCutout/>
+                      <a14:artisticPaintBrush/>
                     </a14:imgEffect>
                     <a14:imgEffect>
                       <a14:sharpenSoften amount="50000"/>
@@ -5521,7 +5521,7 @@
         </p:blipFill>
         <p:spPr bwMode="auto">
           <a:xfrm rot="4777976">
-            <a:off x="9527204" y="2832274"/>
+            <a:off x="9627579" y="2897978"/>
             <a:ext cx="243029" cy="271140"/>
           </a:xfrm>
           <a:prstGeom prst="rect">
@@ -5685,7 +5685,7 @@
         </p:blipFill>
         <p:spPr bwMode="auto">
           <a:xfrm rot="3790422">
-            <a:off x="9335722" y="2236555"/>
+            <a:off x="9505458" y="2362488"/>
             <a:ext cx="714808" cy="705291"/>
           </a:xfrm>
           <a:prstGeom prst="rect">
@@ -5794,8 +5794,8 @@
         </p:blipFill>
         <p:spPr bwMode="auto">
           <a:xfrm>
-            <a:off x="8616001" y="1462064"/>
-            <a:ext cx="2229079" cy="1771137"/>
+            <a:off x="8842646" y="1500788"/>
+            <a:ext cx="1701783" cy="1352169"/>
           </a:xfrm>
           <a:prstGeom prst="rect">
             <a:avLst/>
@@ -6071,8 +6071,8 @@
         </p:blipFill>
         <p:spPr bwMode="auto">
           <a:xfrm>
-            <a:off x="6636620" y="2673249"/>
-            <a:ext cx="641879" cy="589189"/>
+            <a:off x="6700798" y="2735006"/>
+            <a:ext cx="477883" cy="438655"/>
           </a:xfrm>
           <a:prstGeom prst="rect">
             <a:avLst/>
@@ -6305,8 +6305,8 @@
         </p:blipFill>
         <p:spPr bwMode="auto">
           <a:xfrm>
-            <a:off x="6525591" y="2866352"/>
-            <a:ext cx="514350" cy="559076"/>
+            <a:off x="6525613" y="2946632"/>
+            <a:ext cx="506324" cy="550352"/>
           </a:xfrm>
           <a:prstGeom prst="rect">
             <a:avLst/>
